--- a/The Great Ink Society.pptx
+++ b/The Great Ink Society.pptx
@@ -7,8 +7,9 @@
   <p:sldIdLst>
     <p:sldId id="256" r:id="rId2"/>
     <p:sldId id="270" r:id="rId3"/>
-    <p:sldId id="260" r:id="rId4"/>
-    <p:sldId id="266" r:id="rId5"/>
+    <p:sldId id="271" r:id="rId4"/>
+    <p:sldId id="260" r:id="rId5"/>
+    <p:sldId id="266" r:id="rId6"/>
   </p:sldIdLst>
   <p:sldSz cx="12192000" cy="6858000"/>
   <p:notesSz cx="6858000" cy="9144000"/>
@@ -5417,7 +5418,7 @@
         <p:spPr>
           <a:xfrm>
             <a:off x="624813" y="1527887"/>
-            <a:ext cx="10942368" cy="461665"/>
+            <a:ext cx="10942368" cy="1015663"/>
           </a:xfrm>
           <a:prstGeom prst="rect">
             <a:avLst/>
@@ -5431,7 +5432,7 @@
           <a:lstStyle/>
           <a:p>
             <a:r>
-              <a:rPr lang="en-US" sz="2400" dirty="0">
+              <a:rPr lang="en-US" sz="2000" dirty="0">
                 <a:solidFill>
                   <a:schemeClr val="accent1">
                     <a:lumMod val="50000"/>
@@ -5440,8 +5441,53 @@
                 <a:latin typeface="Amasis MT Pro Medium" panose="020B0604020202020204" pitchFamily="18" charset="0"/>
                 <a:cs typeface="Aharoni" panose="02010803020104030203" pitchFamily="2" charset="-79"/>
               </a:rPr>
-              <a:t>We have built an online platform for creative minds who have a story to tell.</a:t>
-            </a:r>
+              <a:t>We have built an online platform for creative minds who have a story to tell. Here they can share their works freely with proper copyright and enjoy others’ contents. They can also communicate with each other and </a:t>
+            </a:r>
+            <a:r>
+              <a:rPr lang="en-US" sz="2000">
+                <a:solidFill>
+                  <a:schemeClr val="accent1">
+                    <a:lumMod val="50000"/>
+                  </a:schemeClr>
+                </a:solidFill>
+                <a:latin typeface="Amasis MT Pro Medium" panose="020B0604020202020204" pitchFamily="18" charset="0"/>
+                <a:cs typeface="Aharoni" panose="02010803020104030203" pitchFamily="2" charset="-79"/>
+              </a:rPr>
+              <a:t>build The </a:t>
+            </a:r>
+            <a:r>
+              <a:rPr lang="en-US" sz="2000" dirty="0">
+                <a:solidFill>
+                  <a:schemeClr val="accent1">
+                    <a:lumMod val="50000"/>
+                  </a:schemeClr>
+                </a:solidFill>
+                <a:latin typeface="Amasis MT Pro Medium" panose="020B0604020202020204" pitchFamily="18" charset="0"/>
+                <a:cs typeface="Aharoni" panose="02010803020104030203" pitchFamily="2" charset="-79"/>
+              </a:rPr>
+              <a:t>Great </a:t>
+            </a:r>
+            <a:r>
+              <a:rPr lang="en-US" sz="2000">
+                <a:solidFill>
+                  <a:schemeClr val="accent1">
+                    <a:lumMod val="50000"/>
+                  </a:schemeClr>
+                </a:solidFill>
+                <a:latin typeface="Amasis MT Pro Medium" panose="020B0604020202020204" pitchFamily="18" charset="0"/>
+                <a:cs typeface="Aharoni" panose="02010803020104030203" pitchFamily="2" charset="-79"/>
+              </a:rPr>
+              <a:t>Ink Society.</a:t>
+            </a:r>
+            <a:endParaRPr lang="en-US" sz="2000" dirty="0">
+              <a:solidFill>
+                <a:schemeClr val="accent1">
+                  <a:lumMod val="50000"/>
+                </a:schemeClr>
+              </a:solidFill>
+              <a:latin typeface="Amasis MT Pro Medium" panose="020B0604020202020204" pitchFamily="18" charset="0"/>
+              <a:cs typeface="Aharoni" panose="02010803020104030203" pitchFamily="2" charset="-79"/>
+            </a:endParaRPr>
           </a:p>
         </p:txBody>
       </p:sp>
@@ -5459,7 +5505,7 @@
         </p:nvSpPr>
         <p:spPr>
           <a:xfrm>
-            <a:off x="1118417" y="2561453"/>
+            <a:off x="1118417" y="2871164"/>
             <a:ext cx="9955161" cy="646331"/>
           </a:xfrm>
           <a:prstGeom prst="rect">
@@ -5484,7 +5530,7 @@
                 <a:latin typeface="Amasis MT Pro Black" panose="02040A04050005020304" pitchFamily="18" charset="0"/>
                 <a:cs typeface="Aharoni" panose="02010803020104030203" pitchFamily="2" charset="-79"/>
               </a:rPr>
-              <a:t>Features</a:t>
+              <a:t>Technologies</a:t>
             </a:r>
           </a:p>
         </p:txBody>
@@ -5503,8 +5549,8 @@
         </p:nvSpPr>
         <p:spPr>
           <a:xfrm>
-            <a:off x="871370" y="3423820"/>
-            <a:ext cx="10288648" cy="2246769"/>
+            <a:off x="1118417" y="3779685"/>
+            <a:ext cx="5501148" cy="1938992"/>
           </a:xfrm>
           <a:prstGeom prst="rect">
             <a:avLst/>
@@ -5512,26 +5558,10 @@
           <a:noFill/>
         </p:spPr>
         <p:txBody>
-          <a:bodyPr wrap="square" numCol="2" rtlCol="0">
+          <a:bodyPr wrap="square" numCol="1" rtlCol="0">
             <a:spAutoFit/>
           </a:bodyPr>
           <a:lstStyle/>
-          <a:p>
-            <a:pPr marL="571500" indent="-571500">
-              <a:buFont typeface="Arial" panose="020B0604020202020204" pitchFamily="34" charset="0"/>
-              <a:buChar char="•"/>
-            </a:pPr>
-            <a:r>
-              <a:rPr lang="en-US" sz="2000" i="0" strike="noStrike" dirty="0">
-                <a:solidFill>
-                  <a:srgbClr val="203864"/>
-                </a:solidFill>
-                <a:effectLst/>
-                <a:latin typeface="Amasis MT Pro Medium" panose="02040604050005020304" pitchFamily="18" charset="0"/>
-              </a:rPr>
-              <a:t>Write Book</a:t>
-            </a:r>
-          </a:p>
           <a:p>
             <a:pPr marL="571500" indent="-571500">
               <a:buFont typeface="Arial" panose="020B0604020202020204" pitchFamily="34" charset="0"/>
@@ -5544,8 +5574,23 @@
                 </a:solidFill>
                 <a:latin typeface="Amasis MT Pro Medium" panose="02040604050005020304" pitchFamily="18" charset="0"/>
               </a:rPr>
-              <a:t>Read Chapters</a:t>
-            </a:r>
+              <a:t>Back End: Java </a:t>
+            </a:r>
+            <a:r>
+              <a:rPr lang="en-US" sz="2000" dirty="0" err="1">
+                <a:solidFill>
+                  <a:srgbClr val="203864"/>
+                </a:solidFill>
+                <a:latin typeface="Amasis MT Pro Medium" panose="02040604050005020304" pitchFamily="18" charset="0"/>
+              </a:rPr>
+              <a:t>Springboot</a:t>
+            </a:r>
+            <a:endParaRPr lang="en-US" sz="2000" dirty="0">
+              <a:solidFill>
+                <a:srgbClr val="203864"/>
+              </a:solidFill>
+              <a:latin typeface="Amasis MT Pro Medium" panose="02040604050005020304" pitchFamily="18" charset="0"/>
+            </a:endParaRPr>
           </a:p>
           <a:p>
             <a:pPr marL="571500" indent="-571500">
@@ -5559,7 +5604,7 @@
                 </a:solidFill>
                 <a:latin typeface="Amasis MT Pro Medium" panose="02040604050005020304" pitchFamily="18" charset="0"/>
               </a:rPr>
-              <a:t>Upload Podcast Series</a:t>
+              <a:t>File Storage: Google Firebase Cloud</a:t>
             </a:r>
           </a:p>
           <a:p>
@@ -5574,7 +5619,7 @@
                 </a:solidFill>
                 <a:latin typeface="Amasis MT Pro Medium" panose="02040604050005020304" pitchFamily="18" charset="0"/>
               </a:rPr>
-              <a:t>Listen To Podcast Episodes</a:t>
+              <a:t>View Engine: JSP</a:t>
             </a:r>
           </a:p>
           <a:p>
@@ -5589,7 +5634,7 @@
                 </a:solidFill>
                 <a:latin typeface="Amasis MT Pro Medium" panose="02040604050005020304" pitchFamily="18" charset="0"/>
               </a:rPr>
-              <a:t>Follow Users</a:t>
+              <a:t>Database: MySQL</a:t>
             </a:r>
           </a:p>
           <a:p>
@@ -5604,7 +5649,7 @@
                 </a:solidFill>
                 <a:latin typeface="Amasis MT Pro Medium" panose="02040604050005020304" pitchFamily="18" charset="0"/>
               </a:rPr>
-              <a:t>Subscribe Users</a:t>
+              <a:t>Front End: HTML, CSS, Bootstrap</a:t>
             </a:r>
           </a:p>
           <a:p>
@@ -5619,97 +5664,7 @@
                 </a:solidFill>
                 <a:latin typeface="Amasis MT Pro Medium" panose="02040604050005020304" pitchFamily="18" charset="0"/>
               </a:rPr>
-              <a:t>Like/Unlike any Chapter/Episode</a:t>
-            </a:r>
-          </a:p>
-          <a:p>
-            <a:pPr marL="571500" indent="-571500">
-              <a:buFont typeface="Arial" panose="020B0604020202020204" pitchFamily="34" charset="0"/>
-              <a:buChar char="•"/>
-            </a:pPr>
-            <a:r>
-              <a:rPr lang="en-US" sz="2000" dirty="0">
-                <a:solidFill>
-                  <a:srgbClr val="203864"/>
-                </a:solidFill>
-                <a:latin typeface="Amasis MT Pro Medium" panose="02040604050005020304" pitchFamily="18" charset="0"/>
-              </a:rPr>
-              <a:t>Comment on any Chapter/Episode</a:t>
-            </a:r>
-          </a:p>
-          <a:p>
-            <a:pPr marL="571500" indent="-571500">
-              <a:buFont typeface="Arial" panose="020B0604020202020204" pitchFamily="34" charset="0"/>
-              <a:buChar char="•"/>
-            </a:pPr>
-            <a:r>
-              <a:rPr lang="en-US" sz="2000" dirty="0">
-                <a:solidFill>
-                  <a:srgbClr val="203864"/>
-                </a:solidFill>
-                <a:latin typeface="Amasis MT Pro Medium" panose="02040604050005020304" pitchFamily="18" charset="0"/>
-              </a:rPr>
-              <a:t>Text Users</a:t>
-            </a:r>
-          </a:p>
-          <a:p>
-            <a:pPr marL="571500" indent="-571500">
-              <a:buFont typeface="Arial" panose="020B0604020202020204" pitchFamily="34" charset="0"/>
-              <a:buChar char="•"/>
-            </a:pPr>
-            <a:r>
-              <a:rPr lang="en-US" sz="2000" dirty="0">
-                <a:solidFill>
-                  <a:srgbClr val="203864"/>
-                </a:solidFill>
-                <a:latin typeface="Amasis MT Pro Medium" panose="02040604050005020304" pitchFamily="18" charset="0"/>
-              </a:rPr>
-              <a:t>Get Notifications</a:t>
-            </a:r>
-          </a:p>
-          <a:p>
-            <a:pPr marL="571500" indent="-571500">
-              <a:buFont typeface="Arial" panose="020B0604020202020204" pitchFamily="34" charset="0"/>
-              <a:buChar char="•"/>
-            </a:pPr>
-            <a:r>
-              <a:rPr lang="en-US" sz="2000" dirty="0">
-                <a:solidFill>
-                  <a:srgbClr val="203864"/>
-                </a:solidFill>
-                <a:latin typeface="Amasis MT Pro Medium" panose="02040604050005020304" pitchFamily="18" charset="0"/>
-              </a:rPr>
-              <a:t>Participate In Competitions</a:t>
-            </a:r>
-          </a:p>
-          <a:p>
-            <a:pPr marL="571500" indent="-571500">
-              <a:buFont typeface="Arial" panose="020B0604020202020204" pitchFamily="34" charset="0"/>
-              <a:buChar char="•"/>
-            </a:pPr>
-            <a:r>
-              <a:rPr lang="en-US" sz="2000" dirty="0">
-                <a:solidFill>
-                  <a:srgbClr val="203864"/>
-                </a:solidFill>
-                <a:latin typeface="Amasis MT Pro Medium" panose="02040604050005020304" pitchFamily="18" charset="0"/>
-              </a:rPr>
-              <a:t>Earn Badges</a:t>
-            </a:r>
-          </a:p>
-          <a:p>
-            <a:pPr marL="571500" indent="-571500">
-              <a:buFont typeface="Arial" panose="020B0604020202020204" pitchFamily="34" charset="0"/>
-              <a:buChar char="•"/>
-            </a:pPr>
-            <a:r>
-              <a:rPr lang="en-US" sz="2000" dirty="0">
-                <a:solidFill>
-                  <a:srgbClr val="203864"/>
-                </a:solidFill>
-                <a:latin typeface="Amasis MT Pro Medium" panose="02040604050005020304" pitchFamily="18" charset="0"/>
-              </a:rPr>
-              <a:t>Win Awards</a:t>
+              <a:t>JavaScript</a:t>
             </a:r>
           </a:p>
         </p:txBody>
@@ -5728,6 +5683,335 @@
 </file>
 
 <file path=ppt/slides/slide3.xml><?xml version="1.0" encoding="utf-8"?>
+<p:sld xmlns:a="http://schemas.openxmlformats.org/drawingml/2006/main" xmlns:r="http://schemas.openxmlformats.org/officeDocument/2006/relationships" xmlns:p="http://schemas.openxmlformats.org/presentationml/2006/main">
+  <p:cSld>
+    <p:spTree>
+      <p:nvGrpSpPr>
+        <p:cNvPr id="1" name=""/>
+        <p:cNvGrpSpPr/>
+        <p:nvPr/>
+      </p:nvGrpSpPr>
+      <p:grpSpPr>
+        <a:xfrm>
+          <a:off x="0" y="0"/>
+          <a:ext cx="0" cy="0"/>
+          <a:chOff x="0" y="0"/>
+          <a:chExt cx="0" cy="0"/>
+        </a:xfrm>
+      </p:grpSpPr>
+      <p:sp>
+        <p:nvSpPr>
+          <p:cNvPr id="4" name="TextBox 3">
+            <a:extLst>
+              <a:ext uri="{FF2B5EF4-FFF2-40B4-BE49-F238E27FC236}">
+                <a16:creationId xmlns:a16="http://schemas.microsoft.com/office/drawing/2014/main" id="{CB751EED-5079-99F2-FE68-F562C840B1FB}"/>
+              </a:ext>
+            </a:extLst>
+          </p:cNvPr>
+          <p:cNvSpPr txBox="1"/>
+          <p:nvPr/>
+        </p:nvSpPr>
+        <p:spPr>
+          <a:xfrm>
+            <a:off x="1118419" y="688408"/>
+            <a:ext cx="9955161" cy="707886"/>
+          </a:xfrm>
+          <a:prstGeom prst="rect">
+            <a:avLst/>
+          </a:prstGeom>
+          <a:noFill/>
+        </p:spPr>
+        <p:txBody>
+          <a:bodyPr wrap="square" rtlCol="0">
+            <a:spAutoFit/>
+          </a:bodyPr>
+          <a:lstStyle/>
+          <a:p>
+            <a:pPr algn="ctr"/>
+            <a:r>
+              <a:rPr lang="en-US" sz="4000" dirty="0">
+                <a:solidFill>
+                  <a:schemeClr val="accent1">
+                    <a:lumMod val="50000"/>
+                  </a:schemeClr>
+                </a:solidFill>
+                <a:latin typeface="Amasis MT Pro Black" panose="02040A04050005020304" pitchFamily="18" charset="0"/>
+                <a:cs typeface="Aharoni" panose="02010803020104030203" pitchFamily="2" charset="-79"/>
+              </a:rPr>
+              <a:t>Features</a:t>
+            </a:r>
+          </a:p>
+        </p:txBody>
+      </p:sp>
+      <p:sp>
+        <p:nvSpPr>
+          <p:cNvPr id="5" name="TextBox 4">
+            <a:extLst>
+              <a:ext uri="{FF2B5EF4-FFF2-40B4-BE49-F238E27FC236}">
+                <a16:creationId xmlns:a16="http://schemas.microsoft.com/office/drawing/2014/main" id="{CF7DB66E-E80E-6C99-E8C3-CE743185D94E}"/>
+              </a:ext>
+            </a:extLst>
+          </p:cNvPr>
+          <p:cNvSpPr txBox="1"/>
+          <p:nvPr/>
+        </p:nvSpPr>
+        <p:spPr>
+          <a:xfrm>
+            <a:off x="1372815" y="1624517"/>
+            <a:ext cx="10288648" cy="4708981"/>
+          </a:xfrm>
+          <a:prstGeom prst="rect">
+            <a:avLst/>
+          </a:prstGeom>
+          <a:noFill/>
+        </p:spPr>
+        <p:txBody>
+          <a:bodyPr wrap="square" numCol="1" rtlCol="0">
+            <a:spAutoFit/>
+          </a:bodyPr>
+          <a:lstStyle/>
+          <a:p>
+            <a:pPr marL="571500" indent="-571500">
+              <a:buFont typeface="Arial" panose="020B0604020202020204" pitchFamily="34" charset="0"/>
+              <a:buChar char="•"/>
+            </a:pPr>
+            <a:r>
+              <a:rPr lang="en-US" sz="2000" i="0" strike="noStrike" dirty="0">
+                <a:solidFill>
+                  <a:srgbClr val="203864"/>
+                </a:solidFill>
+                <a:effectLst/>
+                <a:latin typeface="Amasis MT Pro Medium" panose="02040604050005020304" pitchFamily="18" charset="0"/>
+              </a:rPr>
+              <a:t>Write Book</a:t>
+            </a:r>
+          </a:p>
+          <a:p>
+            <a:pPr marL="571500" indent="-571500">
+              <a:buFont typeface="Arial" panose="020B0604020202020204" pitchFamily="34" charset="0"/>
+              <a:buChar char="•"/>
+            </a:pPr>
+            <a:r>
+              <a:rPr lang="en-US" sz="2000" dirty="0">
+                <a:solidFill>
+                  <a:srgbClr val="203864"/>
+                </a:solidFill>
+                <a:latin typeface="Amasis MT Pro Medium" panose="02040604050005020304" pitchFamily="18" charset="0"/>
+              </a:rPr>
+              <a:t>Read Chapters</a:t>
+            </a:r>
+          </a:p>
+          <a:p>
+            <a:pPr marL="571500" indent="-571500">
+              <a:buFont typeface="Arial" panose="020B0604020202020204" pitchFamily="34" charset="0"/>
+              <a:buChar char="•"/>
+            </a:pPr>
+            <a:r>
+              <a:rPr lang="en-US" sz="2000" dirty="0">
+                <a:solidFill>
+                  <a:srgbClr val="203864"/>
+                </a:solidFill>
+                <a:latin typeface="Amasis MT Pro Medium" panose="02040604050005020304" pitchFamily="18" charset="0"/>
+              </a:rPr>
+              <a:t>Upload Podcast Series</a:t>
+            </a:r>
+          </a:p>
+          <a:p>
+            <a:pPr marL="571500" indent="-571500">
+              <a:buFont typeface="Arial" panose="020B0604020202020204" pitchFamily="34" charset="0"/>
+              <a:buChar char="•"/>
+            </a:pPr>
+            <a:r>
+              <a:rPr lang="en-US" sz="2000" dirty="0">
+                <a:solidFill>
+                  <a:srgbClr val="203864"/>
+                </a:solidFill>
+                <a:latin typeface="Amasis MT Pro Medium" panose="02040604050005020304" pitchFamily="18" charset="0"/>
+              </a:rPr>
+              <a:t>Listen To Podcast Episodes</a:t>
+            </a:r>
+          </a:p>
+          <a:p>
+            <a:pPr marL="571500" indent="-571500">
+              <a:buFont typeface="Arial" panose="020B0604020202020204" pitchFamily="34" charset="0"/>
+              <a:buChar char="•"/>
+            </a:pPr>
+            <a:r>
+              <a:rPr lang="en-US" sz="2000" dirty="0">
+                <a:solidFill>
+                  <a:srgbClr val="203864"/>
+                </a:solidFill>
+                <a:latin typeface="Amasis MT Pro Medium" panose="02040604050005020304" pitchFamily="18" charset="0"/>
+              </a:rPr>
+              <a:t>Earn Badges</a:t>
+            </a:r>
+          </a:p>
+          <a:p>
+            <a:pPr marL="571500" indent="-571500">
+              <a:buFont typeface="Arial" panose="020B0604020202020204" pitchFamily="34" charset="0"/>
+              <a:buChar char="•"/>
+            </a:pPr>
+            <a:r>
+              <a:rPr lang="en-US" sz="2000" dirty="0">
+                <a:solidFill>
+                  <a:srgbClr val="203864"/>
+                </a:solidFill>
+                <a:latin typeface="Amasis MT Pro Medium" panose="02040604050005020304" pitchFamily="18" charset="0"/>
+              </a:rPr>
+              <a:t>Explore Varieties of Genre</a:t>
+            </a:r>
+          </a:p>
+          <a:p>
+            <a:pPr marL="571500" indent="-571500">
+              <a:buFont typeface="Arial" panose="020B0604020202020204" pitchFamily="34" charset="0"/>
+              <a:buChar char="•"/>
+            </a:pPr>
+            <a:r>
+              <a:rPr lang="en-US" sz="2000" dirty="0">
+                <a:solidFill>
+                  <a:srgbClr val="203864"/>
+                </a:solidFill>
+                <a:latin typeface="Amasis MT Pro Medium" panose="02040604050005020304" pitchFamily="18" charset="0"/>
+              </a:rPr>
+              <a:t>Find Most Popular/ Most Recent Books &amp; Podcasts</a:t>
+            </a:r>
+          </a:p>
+          <a:p>
+            <a:pPr marL="571500" indent="-571500">
+              <a:buFont typeface="Arial" panose="020B0604020202020204" pitchFamily="34" charset="0"/>
+              <a:buChar char="•"/>
+            </a:pPr>
+            <a:r>
+              <a:rPr lang="en-US" sz="2000" dirty="0">
+                <a:solidFill>
+                  <a:srgbClr val="203864"/>
+                </a:solidFill>
+                <a:latin typeface="Amasis MT Pro Medium" panose="02040604050005020304" pitchFamily="18" charset="0"/>
+              </a:rPr>
+              <a:t>Follow Users</a:t>
+            </a:r>
+          </a:p>
+          <a:p>
+            <a:pPr marL="571500" indent="-571500">
+              <a:buFont typeface="Arial" panose="020B0604020202020204" pitchFamily="34" charset="0"/>
+              <a:buChar char="•"/>
+            </a:pPr>
+            <a:r>
+              <a:rPr lang="en-US" sz="2000" dirty="0">
+                <a:solidFill>
+                  <a:srgbClr val="203864"/>
+                </a:solidFill>
+                <a:latin typeface="Amasis MT Pro Medium" panose="02040604050005020304" pitchFamily="18" charset="0"/>
+              </a:rPr>
+              <a:t>Subscribe Users</a:t>
+            </a:r>
+          </a:p>
+          <a:p>
+            <a:pPr marL="571500" indent="-571500">
+              <a:buFont typeface="Arial" panose="020B0604020202020204" pitchFamily="34" charset="0"/>
+              <a:buChar char="•"/>
+            </a:pPr>
+            <a:r>
+              <a:rPr lang="en-US" sz="2000" dirty="0">
+                <a:solidFill>
+                  <a:srgbClr val="203864"/>
+                </a:solidFill>
+                <a:latin typeface="Amasis MT Pro Medium" panose="02040604050005020304" pitchFamily="18" charset="0"/>
+              </a:rPr>
+              <a:t>Like/Unlike any Chapter/Episode</a:t>
+            </a:r>
+          </a:p>
+          <a:p>
+            <a:pPr marL="571500" indent="-571500">
+              <a:buFont typeface="Arial" panose="020B0604020202020204" pitchFamily="34" charset="0"/>
+              <a:buChar char="•"/>
+            </a:pPr>
+            <a:r>
+              <a:rPr lang="en-US" sz="2000" dirty="0">
+                <a:solidFill>
+                  <a:srgbClr val="203864"/>
+                </a:solidFill>
+                <a:latin typeface="Amasis MT Pro Medium" panose="02040604050005020304" pitchFamily="18" charset="0"/>
+              </a:rPr>
+              <a:t>Comment on any Chapter/Episode</a:t>
+            </a:r>
+          </a:p>
+          <a:p>
+            <a:pPr marL="571500" indent="-571500">
+              <a:buFont typeface="Arial" panose="020B0604020202020204" pitchFamily="34" charset="0"/>
+              <a:buChar char="•"/>
+            </a:pPr>
+            <a:r>
+              <a:rPr lang="en-US" sz="2000" dirty="0">
+                <a:solidFill>
+                  <a:srgbClr val="203864"/>
+                </a:solidFill>
+                <a:latin typeface="Amasis MT Pro Medium" panose="02040604050005020304" pitchFamily="18" charset="0"/>
+              </a:rPr>
+              <a:t>Text Users</a:t>
+            </a:r>
+          </a:p>
+          <a:p>
+            <a:pPr marL="571500" indent="-571500">
+              <a:buFont typeface="Arial" panose="020B0604020202020204" pitchFamily="34" charset="0"/>
+              <a:buChar char="•"/>
+            </a:pPr>
+            <a:r>
+              <a:rPr lang="en-US" sz="2000" dirty="0">
+                <a:solidFill>
+                  <a:srgbClr val="203864"/>
+                </a:solidFill>
+                <a:latin typeface="Amasis MT Pro Medium" panose="02040604050005020304" pitchFamily="18" charset="0"/>
+              </a:rPr>
+              <a:t>Get Notifications from Subscriptions</a:t>
+            </a:r>
+          </a:p>
+          <a:p>
+            <a:pPr marL="571500" indent="-571500">
+              <a:buFont typeface="Arial" panose="020B0604020202020204" pitchFamily="34" charset="0"/>
+              <a:buChar char="•"/>
+            </a:pPr>
+            <a:r>
+              <a:rPr lang="en-US" sz="2000" dirty="0">
+                <a:solidFill>
+                  <a:srgbClr val="203864"/>
+                </a:solidFill>
+                <a:latin typeface="Amasis MT Pro Medium" panose="02040604050005020304" pitchFamily="18" charset="0"/>
+              </a:rPr>
+              <a:t>Participate In Competitions</a:t>
+            </a:r>
+          </a:p>
+          <a:p>
+            <a:pPr marL="571500" indent="-571500">
+              <a:buFont typeface="Arial" panose="020B0604020202020204" pitchFamily="34" charset="0"/>
+              <a:buChar char="•"/>
+            </a:pPr>
+            <a:r>
+              <a:rPr lang="en-US" sz="2000" dirty="0">
+                <a:solidFill>
+                  <a:srgbClr val="203864"/>
+                </a:solidFill>
+                <a:latin typeface="Amasis MT Pro Medium" panose="02040604050005020304" pitchFamily="18" charset="0"/>
+              </a:rPr>
+              <a:t>Win Awards</a:t>
+            </a:r>
+          </a:p>
+        </p:txBody>
+      </p:sp>
+    </p:spTree>
+    <p:extLst>
+      <p:ext uri="{BB962C8B-B14F-4D97-AF65-F5344CB8AC3E}">
+        <p14:creationId xmlns:p14="http://schemas.microsoft.com/office/powerpoint/2010/main" val="682854981"/>
+      </p:ext>
+    </p:extLst>
+  </p:cSld>
+  <p:clrMapOvr>
+    <a:masterClrMapping/>
+  </p:clrMapOvr>
+</p:sld>
+</file>
+
+<file path=ppt/slides/slide4.xml><?xml version="1.0" encoding="utf-8"?>
 <p:sld xmlns:a="http://schemas.openxmlformats.org/drawingml/2006/main" xmlns:r="http://schemas.openxmlformats.org/officeDocument/2006/relationships" xmlns:p="http://schemas.openxmlformats.org/presentationml/2006/main">
   <p:cSld>
     <p:spTree>
@@ -7086,7 +7370,7 @@
 </p:sld>
 </file>
 
-<file path=ppt/slides/slide4.xml><?xml version="1.0" encoding="utf-8"?>
+<file path=ppt/slides/slide5.xml><?xml version="1.0" encoding="utf-8"?>
 <p:sld xmlns:a="http://schemas.openxmlformats.org/drawingml/2006/main" xmlns:r="http://schemas.openxmlformats.org/officeDocument/2006/relationships" xmlns:p="http://schemas.openxmlformats.org/presentationml/2006/main">
   <p:cSld>
     <p:spTree>

--- a/The Great Ink Society.pptx
+++ b/The Great Ink Society.pptx
@@ -8,8 +8,9 @@
     <p:sldId id="256" r:id="rId2"/>
     <p:sldId id="270" r:id="rId3"/>
     <p:sldId id="271" r:id="rId4"/>
-    <p:sldId id="260" r:id="rId5"/>
-    <p:sldId id="266" r:id="rId6"/>
+    <p:sldId id="272" r:id="rId5"/>
+    <p:sldId id="260" r:id="rId6"/>
+    <p:sldId id="266" r:id="rId7"/>
   </p:sldIdLst>
   <p:sldSz cx="12192000" cy="6858000"/>
   <p:notesSz cx="6858000" cy="9144000"/>
@@ -2082,7 +2083,7 @@
           <a:p>
             <a:fld id="{6CC2A74E-35CB-4F08-86F0-32C1E9BB5EE9}" type="datetimeFigureOut">
               <a:rPr lang="en-US" smtClean="0"/>
-              <a:t>15-Aug-22</a:t>
+              <a:t>31-Aug-22</a:t>
             </a:fld>
             <a:endParaRPr lang="en-US"/>
           </a:p>
@@ -2280,7 +2281,7 @@
           <a:p>
             <a:fld id="{6CC2A74E-35CB-4F08-86F0-32C1E9BB5EE9}" type="datetimeFigureOut">
               <a:rPr lang="en-US" smtClean="0"/>
-              <a:t>15-Aug-22</a:t>
+              <a:t>31-Aug-22</a:t>
             </a:fld>
             <a:endParaRPr lang="en-US"/>
           </a:p>
@@ -2488,7 +2489,7 @@
           <a:p>
             <a:fld id="{6CC2A74E-35CB-4F08-86F0-32C1E9BB5EE9}" type="datetimeFigureOut">
               <a:rPr lang="en-US" smtClean="0"/>
-              <a:t>15-Aug-22</a:t>
+              <a:t>31-Aug-22</a:t>
             </a:fld>
             <a:endParaRPr lang="en-US"/>
           </a:p>
@@ -2686,7 +2687,7 @@
           <a:p>
             <a:fld id="{6CC2A74E-35CB-4F08-86F0-32C1E9BB5EE9}" type="datetimeFigureOut">
               <a:rPr lang="en-US" smtClean="0"/>
-              <a:t>15-Aug-22</a:t>
+              <a:t>31-Aug-22</a:t>
             </a:fld>
             <a:endParaRPr lang="en-US"/>
           </a:p>
@@ -2961,7 +2962,7 @@
           <a:p>
             <a:fld id="{6CC2A74E-35CB-4F08-86F0-32C1E9BB5EE9}" type="datetimeFigureOut">
               <a:rPr lang="en-US" smtClean="0"/>
-              <a:t>15-Aug-22</a:t>
+              <a:t>31-Aug-22</a:t>
             </a:fld>
             <a:endParaRPr lang="en-US"/>
           </a:p>
@@ -3226,7 +3227,7 @@
           <a:p>
             <a:fld id="{6CC2A74E-35CB-4F08-86F0-32C1E9BB5EE9}" type="datetimeFigureOut">
               <a:rPr lang="en-US" smtClean="0"/>
-              <a:t>15-Aug-22</a:t>
+              <a:t>31-Aug-22</a:t>
             </a:fld>
             <a:endParaRPr lang="en-US"/>
           </a:p>
@@ -3638,7 +3639,7 @@
           <a:p>
             <a:fld id="{6CC2A74E-35CB-4F08-86F0-32C1E9BB5EE9}" type="datetimeFigureOut">
               <a:rPr lang="en-US" smtClean="0"/>
-              <a:t>15-Aug-22</a:t>
+              <a:t>31-Aug-22</a:t>
             </a:fld>
             <a:endParaRPr lang="en-US"/>
           </a:p>
@@ -3779,7 +3780,7 @@
           <a:p>
             <a:fld id="{6CC2A74E-35CB-4F08-86F0-32C1E9BB5EE9}" type="datetimeFigureOut">
               <a:rPr lang="en-US" smtClean="0"/>
-              <a:t>15-Aug-22</a:t>
+              <a:t>31-Aug-22</a:t>
             </a:fld>
             <a:endParaRPr lang="en-US"/>
           </a:p>
@@ -3892,7 +3893,7 @@
           <a:p>
             <a:fld id="{6CC2A74E-35CB-4F08-86F0-32C1E9BB5EE9}" type="datetimeFigureOut">
               <a:rPr lang="en-US" smtClean="0"/>
-              <a:t>15-Aug-22</a:t>
+              <a:t>31-Aug-22</a:t>
             </a:fld>
             <a:endParaRPr lang="en-US"/>
           </a:p>
@@ -4203,7 +4204,7 @@
           <a:p>
             <a:fld id="{6CC2A74E-35CB-4F08-86F0-32C1E9BB5EE9}" type="datetimeFigureOut">
               <a:rPr lang="en-US" smtClean="0"/>
-              <a:t>15-Aug-22</a:t>
+              <a:t>31-Aug-22</a:t>
             </a:fld>
             <a:endParaRPr lang="en-US"/>
           </a:p>
@@ -4491,7 +4492,7 @@
           <a:p>
             <a:fld id="{6CC2A74E-35CB-4F08-86F0-32C1E9BB5EE9}" type="datetimeFigureOut">
               <a:rPr lang="en-US" smtClean="0"/>
-              <a:t>15-Aug-22</a:t>
+              <a:t>31-Aug-22</a:t>
             </a:fld>
             <a:endParaRPr lang="en-US"/>
           </a:p>
@@ -4741,7 +4742,7 @@
           <a:p>
             <a:fld id="{6CC2A74E-35CB-4F08-86F0-32C1E9BB5EE9}" type="datetimeFigureOut">
               <a:rPr lang="en-US" smtClean="0"/>
-              <a:t>15-Aug-22</a:t>
+              <a:t>31-Aug-22</a:t>
             </a:fld>
             <a:endParaRPr lang="en-US"/>
           </a:p>
@@ -5441,53 +5442,8 @@
                 <a:latin typeface="Amasis MT Pro Medium" panose="020B0604020202020204" pitchFamily="18" charset="0"/>
                 <a:cs typeface="Aharoni" panose="02010803020104030203" pitchFamily="2" charset="-79"/>
               </a:rPr>
-              <a:t>We have built an online platform for creative minds who have a story to tell. Here they can share their works freely with proper copyright and enjoy others’ contents. They can also communicate with each other and </a:t>
-            </a:r>
-            <a:r>
-              <a:rPr lang="en-US" sz="2000">
-                <a:solidFill>
-                  <a:schemeClr val="accent1">
-                    <a:lumMod val="50000"/>
-                  </a:schemeClr>
-                </a:solidFill>
-                <a:latin typeface="Amasis MT Pro Medium" panose="020B0604020202020204" pitchFamily="18" charset="0"/>
-                <a:cs typeface="Aharoni" panose="02010803020104030203" pitchFamily="2" charset="-79"/>
-              </a:rPr>
-              <a:t>build The </a:t>
-            </a:r>
-            <a:r>
-              <a:rPr lang="en-US" sz="2000" dirty="0">
-                <a:solidFill>
-                  <a:schemeClr val="accent1">
-                    <a:lumMod val="50000"/>
-                  </a:schemeClr>
-                </a:solidFill>
-                <a:latin typeface="Amasis MT Pro Medium" panose="020B0604020202020204" pitchFamily="18" charset="0"/>
-                <a:cs typeface="Aharoni" panose="02010803020104030203" pitchFamily="2" charset="-79"/>
-              </a:rPr>
-              <a:t>Great </a:t>
-            </a:r>
-            <a:r>
-              <a:rPr lang="en-US" sz="2000">
-                <a:solidFill>
-                  <a:schemeClr val="accent1">
-                    <a:lumMod val="50000"/>
-                  </a:schemeClr>
-                </a:solidFill>
-                <a:latin typeface="Amasis MT Pro Medium" panose="020B0604020202020204" pitchFamily="18" charset="0"/>
-                <a:cs typeface="Aharoni" panose="02010803020104030203" pitchFamily="2" charset="-79"/>
-              </a:rPr>
-              <a:t>Ink Society.</a:t>
-            </a:r>
-            <a:endParaRPr lang="en-US" sz="2000" dirty="0">
-              <a:solidFill>
-                <a:schemeClr val="accent1">
-                  <a:lumMod val="50000"/>
-                </a:schemeClr>
-              </a:solidFill>
-              <a:latin typeface="Amasis MT Pro Medium" panose="020B0604020202020204" pitchFamily="18" charset="0"/>
-              <a:cs typeface="Aharoni" panose="02010803020104030203" pitchFamily="2" charset="-79"/>
-            </a:endParaRPr>
+              <a:t>We have built an online platform for creative minds who have a story to tell. Here they can share their works freely with proper copyright and enjoy others’ contents. They can also communicate with each other and build The Great Ink Society.</a:t>
+            </a:r>
           </a:p>
         </p:txBody>
       </p:sp>
@@ -5574,23 +5530,8 @@
                 </a:solidFill>
                 <a:latin typeface="Amasis MT Pro Medium" panose="02040604050005020304" pitchFamily="18" charset="0"/>
               </a:rPr>
-              <a:t>Back End: Java </a:t>
-            </a:r>
-            <a:r>
-              <a:rPr lang="en-US" sz="2000" dirty="0" err="1">
-                <a:solidFill>
-                  <a:srgbClr val="203864"/>
-                </a:solidFill>
-                <a:latin typeface="Amasis MT Pro Medium" panose="02040604050005020304" pitchFamily="18" charset="0"/>
-              </a:rPr>
-              <a:t>Springboot</a:t>
-            </a:r>
-            <a:endParaRPr lang="en-US" sz="2000" dirty="0">
-              <a:solidFill>
-                <a:srgbClr val="203864"/>
-              </a:solidFill>
-              <a:latin typeface="Amasis MT Pro Medium" panose="02040604050005020304" pitchFamily="18" charset="0"/>
-            </a:endParaRPr>
+              <a:t>Back End: Java Spring Boot</a:t>
+            </a:r>
           </a:p>
           <a:p>
             <a:pPr marL="571500" indent="-571500">
@@ -5758,7 +5699,7 @@
         <p:spPr>
           <a:xfrm>
             <a:off x="1372815" y="1624517"/>
-            <a:ext cx="10288648" cy="4708981"/>
+            <a:ext cx="10288648" cy="4093428"/>
           </a:xfrm>
           <a:prstGeom prst="rect">
             <a:avLst/>
@@ -5934,36 +5875,6 @@
                 <a:latin typeface="Amasis MT Pro Medium" panose="02040604050005020304" pitchFamily="18" charset="0"/>
               </a:rPr>
               <a:t>Comment on any Chapter/Episode</a:t>
-            </a:r>
-          </a:p>
-          <a:p>
-            <a:pPr marL="571500" indent="-571500">
-              <a:buFont typeface="Arial" panose="020B0604020202020204" pitchFamily="34" charset="0"/>
-              <a:buChar char="•"/>
-            </a:pPr>
-            <a:r>
-              <a:rPr lang="en-US" sz="2000" dirty="0">
-                <a:solidFill>
-                  <a:srgbClr val="203864"/>
-                </a:solidFill>
-                <a:latin typeface="Amasis MT Pro Medium" panose="02040604050005020304" pitchFamily="18" charset="0"/>
-              </a:rPr>
-              <a:t>Text Users</a:t>
-            </a:r>
-          </a:p>
-          <a:p>
-            <a:pPr marL="571500" indent="-571500">
-              <a:buFont typeface="Arial" panose="020B0604020202020204" pitchFamily="34" charset="0"/>
-              <a:buChar char="•"/>
-            </a:pPr>
-            <a:r>
-              <a:rPr lang="en-US" sz="2000" dirty="0">
-                <a:solidFill>
-                  <a:srgbClr val="203864"/>
-                </a:solidFill>
-                <a:latin typeface="Amasis MT Pro Medium" panose="02040604050005020304" pitchFamily="18" charset="0"/>
-              </a:rPr>
-              <a:t>Get Notifications from Subscriptions</a:t>
             </a:r>
           </a:p>
           <a:p>
@@ -6012,6 +5923,155 @@
 </file>
 
 <file path=ppt/slides/slide4.xml><?xml version="1.0" encoding="utf-8"?>
+<p:sld xmlns:a="http://schemas.openxmlformats.org/drawingml/2006/main" xmlns:r="http://schemas.openxmlformats.org/officeDocument/2006/relationships" xmlns:p="http://schemas.openxmlformats.org/presentationml/2006/main">
+  <p:cSld>
+    <p:spTree>
+      <p:nvGrpSpPr>
+        <p:cNvPr id="1" name=""/>
+        <p:cNvGrpSpPr/>
+        <p:nvPr/>
+      </p:nvGrpSpPr>
+      <p:grpSpPr>
+        <a:xfrm>
+          <a:off x="0" y="0"/>
+          <a:ext cx="0" cy="0"/>
+          <a:chOff x="0" y="0"/>
+          <a:chExt cx="0" cy="0"/>
+        </a:xfrm>
+      </p:grpSpPr>
+      <p:sp>
+        <p:nvSpPr>
+          <p:cNvPr id="4" name="TextBox 3">
+            <a:extLst>
+              <a:ext uri="{FF2B5EF4-FFF2-40B4-BE49-F238E27FC236}">
+                <a16:creationId xmlns:a16="http://schemas.microsoft.com/office/drawing/2014/main" id="{CB751EED-5079-99F2-FE68-F562C840B1FB}"/>
+              </a:ext>
+            </a:extLst>
+          </p:cNvPr>
+          <p:cNvSpPr txBox="1"/>
+          <p:nvPr/>
+        </p:nvSpPr>
+        <p:spPr>
+          <a:xfrm>
+            <a:off x="1118419" y="688408"/>
+            <a:ext cx="9955161" cy="707886"/>
+          </a:xfrm>
+          <a:prstGeom prst="rect">
+            <a:avLst/>
+          </a:prstGeom>
+          <a:noFill/>
+        </p:spPr>
+        <p:txBody>
+          <a:bodyPr wrap="square" rtlCol="0">
+            <a:spAutoFit/>
+          </a:bodyPr>
+          <a:lstStyle/>
+          <a:p>
+            <a:pPr algn="ctr"/>
+            <a:r>
+              <a:rPr lang="en-US" sz="4000" dirty="0">
+                <a:solidFill>
+                  <a:schemeClr val="accent1">
+                    <a:lumMod val="50000"/>
+                  </a:schemeClr>
+                </a:solidFill>
+                <a:latin typeface="Amasis MT Pro Black" panose="02040A04050005020304" pitchFamily="18" charset="0"/>
+                <a:cs typeface="Aharoni" panose="02010803020104030203" pitchFamily="2" charset="-79"/>
+              </a:rPr>
+              <a:t>Admin Features</a:t>
+            </a:r>
+          </a:p>
+        </p:txBody>
+      </p:sp>
+      <p:sp>
+        <p:nvSpPr>
+          <p:cNvPr id="5" name="TextBox 4">
+            <a:extLst>
+              <a:ext uri="{FF2B5EF4-FFF2-40B4-BE49-F238E27FC236}">
+                <a16:creationId xmlns:a16="http://schemas.microsoft.com/office/drawing/2014/main" id="{CF7DB66E-E80E-6C99-E8C3-CE743185D94E}"/>
+              </a:ext>
+            </a:extLst>
+          </p:cNvPr>
+          <p:cNvSpPr txBox="1"/>
+          <p:nvPr/>
+        </p:nvSpPr>
+        <p:spPr>
+          <a:xfrm>
+            <a:off x="1372815" y="1624517"/>
+            <a:ext cx="10288648" cy="1015663"/>
+          </a:xfrm>
+          <a:prstGeom prst="rect">
+            <a:avLst/>
+          </a:prstGeom>
+          <a:noFill/>
+        </p:spPr>
+        <p:txBody>
+          <a:bodyPr wrap="square" numCol="1" rtlCol="0">
+            <a:spAutoFit/>
+          </a:bodyPr>
+          <a:lstStyle/>
+          <a:p>
+            <a:pPr marL="571500" indent="-571500">
+              <a:buFont typeface="Arial" panose="020B0604020202020204" pitchFamily="34" charset="0"/>
+              <a:buChar char="•"/>
+            </a:pPr>
+            <a:r>
+              <a:rPr lang="en-US" sz="2000" i="0" strike="noStrike" dirty="0">
+                <a:solidFill>
+                  <a:srgbClr val="203864"/>
+                </a:solidFill>
+                <a:effectLst/>
+                <a:latin typeface="Amasis MT Pro Medium" panose="02040604050005020304" pitchFamily="18" charset="0"/>
+              </a:rPr>
+              <a:t>Create New Event</a:t>
+            </a:r>
+          </a:p>
+          <a:p>
+            <a:pPr marL="571500" indent="-571500">
+              <a:buFont typeface="Arial" panose="020B0604020202020204" pitchFamily="34" charset="0"/>
+              <a:buChar char="•"/>
+            </a:pPr>
+            <a:r>
+              <a:rPr lang="en-US" sz="2000" dirty="0">
+                <a:solidFill>
+                  <a:srgbClr val="203864"/>
+                </a:solidFill>
+                <a:latin typeface="Amasis MT Pro Medium" panose="02040604050005020304" pitchFamily="18" charset="0"/>
+              </a:rPr>
+              <a:t>Check Reports</a:t>
+            </a:r>
+          </a:p>
+          <a:p>
+            <a:pPr marL="571500" indent="-571500">
+              <a:buFont typeface="Arial" panose="020B0604020202020204" pitchFamily="34" charset="0"/>
+              <a:buChar char="•"/>
+            </a:pPr>
+            <a:r>
+              <a:rPr lang="en-US" sz="2000" dirty="0">
+                <a:solidFill>
+                  <a:srgbClr val="203864"/>
+                </a:solidFill>
+                <a:latin typeface="Amasis MT Pro Medium" panose="02040604050005020304" pitchFamily="18" charset="0"/>
+              </a:rPr>
+              <a:t>Ban/Activate Users</a:t>
+            </a:r>
+          </a:p>
+        </p:txBody>
+      </p:sp>
+    </p:spTree>
+    <p:extLst>
+      <p:ext uri="{BB962C8B-B14F-4D97-AF65-F5344CB8AC3E}">
+        <p14:creationId xmlns:p14="http://schemas.microsoft.com/office/powerpoint/2010/main" val="1973168062"/>
+      </p:ext>
+    </p:extLst>
+  </p:cSld>
+  <p:clrMapOvr>
+    <a:masterClrMapping/>
+  </p:clrMapOvr>
+</p:sld>
+</file>
+
+<file path=ppt/slides/slide5.xml><?xml version="1.0" encoding="utf-8"?>
 <p:sld xmlns:a="http://schemas.openxmlformats.org/drawingml/2006/main" xmlns:r="http://schemas.openxmlformats.org/officeDocument/2006/relationships" xmlns:p="http://schemas.openxmlformats.org/presentationml/2006/main">
   <p:cSld>
     <p:spTree>
@@ -7370,7 +7430,7 @@
 </p:sld>
 </file>
 
-<file path=ppt/slides/slide5.xml><?xml version="1.0" encoding="utf-8"?>
+<file path=ppt/slides/slide6.xml><?xml version="1.0" encoding="utf-8"?>
 <p:sld xmlns:a="http://schemas.openxmlformats.org/drawingml/2006/main" xmlns:r="http://schemas.openxmlformats.org/officeDocument/2006/relationships" xmlns:p="http://schemas.openxmlformats.org/presentationml/2006/main">
   <p:cSld>
     <p:spTree>

--- a/The Great Ink Society.pptx
+++ b/The Great Ink Society.pptx
@@ -5699,7 +5699,7 @@
         <p:spPr>
           <a:xfrm>
             <a:off x="1372815" y="1624517"/>
-            <a:ext cx="10288648" cy="4093428"/>
+            <a:ext cx="10288648" cy="5016758"/>
           </a:xfrm>
           <a:prstGeom prst="rect">
             <a:avLst/>
@@ -5711,6 +5711,53 @@
             <a:spAutoFit/>
           </a:bodyPr>
           <a:lstStyle/>
+          <a:p>
+            <a:pPr marL="571500" indent="-571500">
+              <a:buFont typeface="Arial" panose="020B0604020202020204" pitchFamily="34" charset="0"/>
+              <a:buChar char="•"/>
+            </a:pPr>
+            <a:r>
+              <a:rPr lang="en-US" sz="2000" i="0" strike="noStrike" dirty="0">
+                <a:solidFill>
+                  <a:srgbClr val="203864"/>
+                </a:solidFill>
+                <a:effectLst/>
+                <a:latin typeface="Amasis MT Pro Medium" panose="02040604050005020304" pitchFamily="18" charset="0"/>
+              </a:rPr>
+              <a:t>Email Verification</a:t>
+            </a:r>
+          </a:p>
+          <a:p>
+            <a:pPr marL="571500" indent="-571500">
+              <a:buFont typeface="Arial" panose="020B0604020202020204" pitchFamily="34" charset="0"/>
+              <a:buChar char="•"/>
+            </a:pPr>
+            <a:r>
+              <a:rPr lang="en-US" sz="2000" dirty="0">
+                <a:solidFill>
+                  <a:srgbClr val="203864"/>
+                </a:solidFill>
+                <a:latin typeface="Amasis MT Pro Medium" panose="02040604050005020304" pitchFamily="18" charset="0"/>
+              </a:rPr>
+              <a:t>Password Encryption</a:t>
+            </a:r>
+          </a:p>
+          <a:p>
+            <a:pPr marL="571500" indent="-571500">
+              <a:buFont typeface="Arial" panose="020B0604020202020204" pitchFamily="34" charset="0"/>
+              <a:buChar char="•"/>
+            </a:pPr>
+            <a:r>
+              <a:rPr lang="en-US" sz="2000" i="0" strike="noStrike" dirty="0">
+                <a:solidFill>
+                  <a:srgbClr val="203864"/>
+                </a:solidFill>
+                <a:effectLst/>
+                <a:latin typeface="Amasis MT Pro Medium" panose="02040604050005020304" pitchFamily="18" charset="0"/>
+              </a:rPr>
+              <a:t>Search with any keyword</a:t>
+            </a:r>
+          </a:p>
           <a:p>
             <a:pPr marL="571500" indent="-571500">
               <a:buFont typeface="Arial" panose="020B0604020202020204" pitchFamily="34" charset="0"/>
